--- a/studygroup/1018/1018.pptx
+++ b/studygroup/1018/1018.pptx
@@ -10288,30 +10288,6 @@
           </a:p>
         </p:txBody>
       </p:sp>
-      <p:pic>
-        <p:nvPicPr>
-          <p:cNvPr id="4" name="圖片 3"/>
-          <p:cNvPicPr>
-            <a:picLocks noChangeAspect="1"/>
-          </p:cNvPicPr>
-          <p:nvPr/>
-        </p:nvPicPr>
-        <p:blipFill>
-          <a:blip r:embed="rId2"/>
-          <a:stretch>
-            <a:fillRect/>
-          </a:stretch>
-        </p:blipFill>
-        <p:spPr>
-          <a:xfrm>
-            <a:off x="742824" y="3758874"/>
-            <a:ext cx="10706352" cy="2418089"/>
-          </a:xfrm>
-          <a:prstGeom prst="rect">
-            <a:avLst/>
-          </a:prstGeom>
-        </p:spPr>
-      </p:pic>
       <p:sp>
         <p:nvSpPr>
           <p:cNvPr id="7" name="向右箭號 6"/>
@@ -10362,215 +10338,6 @@
       </p:sp>
       <p:sp>
         <p:nvSpPr>
-          <p:cNvPr id="8" name="矩形 7"/>
-          <p:cNvSpPr/>
-          <p:nvPr/>
-        </p:nvSpPr>
-        <p:spPr>
-          <a:xfrm>
-            <a:off x="1913579" y="5764959"/>
-            <a:ext cx="793287" cy="412004"/>
-          </a:xfrm>
-          <a:prstGeom prst="rect">
-            <a:avLst/>
-          </a:prstGeom>
-          <a:noFill/>
-          <a:ln w="19050">
-            <a:solidFill>
-              <a:srgbClr val="FF0000"/>
-            </a:solidFill>
-          </a:ln>
-        </p:spPr>
-        <p:style>
-          <a:lnRef idx="2">
-            <a:schemeClr val="accent1">
-              <a:shade val="50000"/>
-            </a:schemeClr>
-          </a:lnRef>
-          <a:fillRef idx="1">
-            <a:schemeClr val="accent1"/>
-          </a:fillRef>
-          <a:effectRef idx="0">
-            <a:schemeClr val="accent1"/>
-          </a:effectRef>
-          <a:fontRef idx="minor">
-            <a:schemeClr val="lt1"/>
-          </a:fontRef>
-        </p:style>
-        <p:txBody>
-          <a:bodyPr rtlCol="0" anchor="ctr"/>
-          <a:lstStyle/>
-          <a:p>
-            <a:pPr algn="ctr"/>
-            <a:endParaRPr lang="zh-TW" altLang="en-US"/>
-          </a:p>
-        </p:txBody>
-      </p:sp>
-      <mc:AlternateContent xmlns:mc="http://schemas.openxmlformats.org/markup-compatibility/2006">
-        <mc:Choice xmlns:a14="http://schemas.microsoft.com/office/drawing/2010/main" Requires="a14">
-          <p:sp>
-            <p:nvSpPr>
-              <p:cNvPr id="9" name="文字方塊 8"/>
-              <p:cNvSpPr txBox="1"/>
-              <p:nvPr/>
-            </p:nvSpPr>
-            <p:spPr>
-              <a:xfrm>
-                <a:off x="2022579" y="6176963"/>
-                <a:ext cx="6887142" cy="484941"/>
-              </a:xfrm>
-              <a:prstGeom prst="rect">
-                <a:avLst/>
-              </a:prstGeom>
-              <a:noFill/>
-            </p:spPr>
-            <p:txBody>
-              <a:bodyPr wrap="none" rtlCol="0">
-                <a:spAutoFit/>
-              </a:bodyPr>
-              <a:lstStyle/>
-              <a:p>
-                <a:r>
-                  <a:rPr lang="en-US" altLang="zh-TW" dirty="0" smtClean="0">
-                    <a:solidFill>
-                      <a:srgbClr val="FF0000"/>
-                    </a:solidFill>
-                  </a:rPr>
-                  <a:t>Some prefer the approximation ratio to be </a:t>
-                </a:r>
-                <a14:m>
-                  <m:oMath xmlns:m="http://schemas.openxmlformats.org/officeDocument/2006/math">
-                    <m:r>
-                      <a:rPr lang="en-US" altLang="zh-TW" b="0" i="1" smtClean="0">
-                        <a:solidFill>
-                          <a:srgbClr val="FF0000"/>
-                        </a:solidFill>
-                        <a:latin typeface="Cambria Math" panose="02040503050406030204" pitchFamily="18" charset="0"/>
-                      </a:rPr>
-                      <m:t>&gt;1</m:t>
-                    </m:r>
-                  </m:oMath>
-                </a14:m>
-                <a:r>
-                  <a:rPr lang="zh-TW" altLang="en-US" dirty="0" smtClean="0">
-                    <a:solidFill>
-                      <a:srgbClr val="FF0000"/>
-                    </a:solidFill>
-                  </a:rPr>
-                  <a:t> </a:t>
-                </a:r>
-                <a:r>
-                  <a:rPr lang="en-US" altLang="zh-TW" dirty="0" smtClean="0">
-                    <a:solidFill>
-                      <a:srgbClr val="FF0000"/>
-                    </a:solidFill>
-                  </a:rPr>
-                  <a:t>(use </a:t>
-                </a:r>
-                <a14:m>
-                  <m:oMath xmlns:m="http://schemas.openxmlformats.org/officeDocument/2006/math">
-                    <m:f>
-                      <m:fPr>
-                        <m:ctrlPr>
-                          <a:rPr lang="en-US" altLang="zh-TW" i="1" smtClean="0">
-                            <a:solidFill>
-                              <a:srgbClr val="FF0000"/>
-                            </a:solidFill>
-                            <a:latin typeface="Cambria Math" panose="02040503050406030204" pitchFamily="18" charset="0"/>
-                          </a:rPr>
-                        </m:ctrlPr>
-                      </m:fPr>
-                      <m:num>
-                        <m:r>
-                          <a:rPr lang="en-US" altLang="zh-TW" b="0" i="1" smtClean="0">
-                            <a:solidFill>
-                              <a:srgbClr val="FF0000"/>
-                            </a:solidFill>
-                            <a:latin typeface="Cambria Math" panose="02040503050406030204" pitchFamily="18" charset="0"/>
-                          </a:rPr>
-                          <m:t>1</m:t>
-                        </m:r>
-                      </m:num>
-                      <m:den>
-                        <m:r>
-                          <a:rPr lang="zh-TW" altLang="en-US" i="1" smtClean="0">
-                            <a:solidFill>
-                              <a:srgbClr val="FF0000"/>
-                            </a:solidFill>
-                            <a:latin typeface="Cambria Math" panose="02040503050406030204" pitchFamily="18" charset="0"/>
-                          </a:rPr>
-                          <m:t>𝛼</m:t>
-                        </m:r>
-                      </m:den>
-                    </m:f>
-                  </m:oMath>
-                </a14:m>
-                <a:r>
-                  <a:rPr lang="zh-TW" altLang="en-US" dirty="0" smtClean="0">
-                    <a:solidFill>
-                      <a:srgbClr val="FF0000"/>
-                    </a:solidFill>
-                  </a:rPr>
-                  <a:t> </a:t>
-                </a:r>
-                <a:r>
-                  <a:rPr lang="en-US" altLang="zh-TW" dirty="0" smtClean="0">
-                    <a:solidFill>
-                      <a:srgbClr val="FF0000"/>
-                    </a:solidFill>
-                  </a:rPr>
-                  <a:t>for maximization)</a:t>
-                </a:r>
-                <a:endParaRPr lang="zh-TW" altLang="en-US" dirty="0">
-                  <a:solidFill>
-                    <a:srgbClr val="FF0000"/>
-                  </a:solidFill>
-                </a:endParaRPr>
-              </a:p>
-            </p:txBody>
-          </p:sp>
-        </mc:Choice>
-        <mc:Fallback>
-          <p:sp>
-            <p:nvSpPr>
-              <p:cNvPr id="9" name="文字方塊 8"/>
-              <p:cNvSpPr txBox="1">
-                <a:spLocks noRot="1" noChangeAspect="1" noMove="1" noResize="1" noEditPoints="1" noAdjustHandles="1" noChangeArrowheads="1" noChangeShapeType="1" noTextEdit="1"/>
-              </p:cNvSpPr>
-              <p:nvPr/>
-            </p:nvSpPr>
-            <p:spPr>
-              <a:xfrm>
-                <a:off x="2022579" y="6176963"/>
-                <a:ext cx="6887142" cy="484941"/>
-              </a:xfrm>
-              <a:prstGeom prst="rect">
-                <a:avLst/>
-              </a:prstGeom>
-              <a:blipFill>
-                <a:blip r:embed="rId3"/>
-                <a:stretch>
-                  <a:fillRect l="-796" b="-7500"/>
-                </a:stretch>
-              </a:blipFill>
-            </p:spPr>
-            <p:txBody>
-              <a:bodyPr/>
-              <a:lstStyle/>
-              <a:p>
-                <a:r>
-                  <a:rPr lang="zh-TW" altLang="en-US">
-                    <a:noFill/>
-                  </a:rPr>
-                  <a:t> </a:t>
-                </a:r>
-              </a:p>
-            </p:txBody>
-          </p:sp>
-        </mc:Fallback>
-      </mc:AlternateContent>
-      <p:sp>
-        <p:nvSpPr>
           <p:cNvPr id="5" name="文字方塊 4"/>
           <p:cNvSpPr txBox="1"/>
           <p:nvPr/>
@@ -10626,6 +10393,30 @@
           </a:p>
         </p:txBody>
       </p:sp>
+      <p:pic>
+        <p:nvPicPr>
+          <p:cNvPr id="2" name="圖片 1"/>
+          <p:cNvPicPr>
+            <a:picLocks noChangeAspect="1"/>
+          </p:cNvPicPr>
+          <p:nvPr/>
+        </p:nvPicPr>
+        <p:blipFill>
+          <a:blip r:embed="rId2"/>
+          <a:stretch>
+            <a:fillRect/>
+          </a:stretch>
+        </p:blipFill>
+        <p:spPr>
+          <a:xfrm>
+            <a:off x="838200" y="3844289"/>
+            <a:ext cx="10007432" cy="2269127"/>
+          </a:xfrm>
+          <a:prstGeom prst="rect">
+            <a:avLst/>
+          </a:prstGeom>
+        </p:spPr>
+      </p:pic>
     </p:spTree>
     <p:extLst>
       <p:ext uri="{BB962C8B-B14F-4D97-AF65-F5344CB8AC3E}">
@@ -10670,7 +10461,7 @@
                                           </p:stCondLst>
                                         </p:cTn>
                                         <p:tgtEl>
-                                          <p:spTgt spid="4"/>
+                                          <p:spTgt spid="2"/>
                                         </p:tgtEl>
                                         <p:attrNameLst>
                                           <p:attrName>style.visibility</p:attrName>
@@ -10710,78 +10501,6 @@
                                     <p:set>
                                       <p:cBhvr>
                                         <p:cTn id="10" dur="1" fill="hold">
-                                          <p:stCondLst>
-                                            <p:cond delay="0"/>
-                                          </p:stCondLst>
-                                        </p:cTn>
-                                        <p:tgtEl>
-                                          <p:spTgt spid="8"/>
-                                        </p:tgtEl>
-                                        <p:attrNameLst>
-                                          <p:attrName>style.visibility</p:attrName>
-                                        </p:attrNameLst>
-                                      </p:cBhvr>
-                                      <p:to>
-                                        <p:strVal val="visible"/>
-                                      </p:to>
-                                    </p:set>
-                                  </p:childTnLst>
-                                </p:cTn>
-                              </p:par>
-                              <p:par>
-                                <p:cTn id="11" presetID="1" presetClass="entr" presetSubtype="0" fill="hold" grpId="0" nodeType="withEffect">
-                                  <p:stCondLst>
-                                    <p:cond delay="0"/>
-                                  </p:stCondLst>
-                                  <p:childTnLst>
-                                    <p:set>
-                                      <p:cBhvr>
-                                        <p:cTn id="12" dur="1" fill="hold">
-                                          <p:stCondLst>
-                                            <p:cond delay="0"/>
-                                          </p:stCondLst>
-                                        </p:cTn>
-                                        <p:tgtEl>
-                                          <p:spTgt spid="9"/>
-                                        </p:tgtEl>
-                                        <p:attrNameLst>
-                                          <p:attrName>style.visibility</p:attrName>
-                                        </p:attrNameLst>
-                                      </p:cBhvr>
-                                      <p:to>
-                                        <p:strVal val="visible"/>
-                                      </p:to>
-                                    </p:set>
-                                  </p:childTnLst>
-                                </p:cTn>
-                              </p:par>
-                            </p:childTnLst>
-                          </p:cTn>
-                        </p:par>
-                      </p:childTnLst>
-                    </p:cTn>
-                  </p:par>
-                  <p:par>
-                    <p:cTn id="13" fill="hold">
-                      <p:stCondLst>
-                        <p:cond delay="indefinite"/>
-                      </p:stCondLst>
-                      <p:childTnLst>
-                        <p:par>
-                          <p:cTn id="14" fill="hold">
-                            <p:stCondLst>
-                              <p:cond delay="0"/>
-                            </p:stCondLst>
-                            <p:childTnLst>
-                              <p:par>
-                                <p:cTn id="15" presetID="1" presetClass="entr" presetSubtype="0" fill="hold" grpId="0" nodeType="clickEffect">
-                                  <p:stCondLst>
-                                    <p:cond delay="0"/>
-                                  </p:stCondLst>
-                                  <p:childTnLst>
-                                    <p:set>
-                                      <p:cBhvr>
-                                        <p:cTn id="16" dur="1" fill="hold">
                                           <p:stCondLst>
                                             <p:cond delay="0"/>
                                           </p:stCondLst>
@@ -10828,8 +10547,6 @@
       </p:par>
     </p:tnLst>
     <p:bldLst>
-      <p:bldP spid="8" grpId="0" animBg="1"/>
-      <p:bldP spid="9" grpId="0"/>
       <p:bldP spid="5" grpId="0" animBg="1"/>
     </p:bldLst>
   </p:timing>
@@ -11243,14 +10960,7 @@
                 <a:latin typeface="Arial" panose="020B0604020202020204" pitchFamily="34" charset="0"/>
                 <a:cs typeface="Arial" panose="020B0604020202020204" pitchFamily="34" charset="0"/>
               </a:rPr>
-              <a:t>What are some greedy algorithms we learn in undergraduate algorithms course</a:t>
-            </a:r>
-            <a:r>
-              <a:rPr lang="en-US" altLang="zh-TW" sz="3600" dirty="0" smtClean="0">
-                <a:latin typeface="Arial" panose="020B0604020202020204" pitchFamily="34" charset="0"/>
-                <a:cs typeface="Arial" panose="020B0604020202020204" pitchFamily="34" charset="0"/>
-              </a:rPr>
-              <a:t>? </a:t>
+              <a:t>What are some greedy algorithms we learn in undergraduate algorithms course? </a:t>
             </a:r>
             <a:r>
               <a:rPr lang="en-US" altLang="zh-TW" sz="3600" dirty="0">
@@ -12340,14 +12050,7 @@
                 <a:latin typeface="Arial" panose="020B0604020202020204" pitchFamily="34" charset="0"/>
                 <a:cs typeface="Arial" panose="020B0604020202020204" pitchFamily="34" charset="0"/>
               </a:rPr>
-              <a:t>Today </a:t>
-            </a:r>
-            <a:r>
-              <a:rPr lang="en-US" altLang="zh-TW" sz="3600" dirty="0" smtClean="0">
-                <a:latin typeface="Arial" panose="020B0604020202020204" pitchFamily="34" charset="0"/>
-                <a:cs typeface="Arial" panose="020B0604020202020204" pitchFamily="34" charset="0"/>
-              </a:rPr>
-              <a:t>there is an exercise activity.</a:t>
+              <a:t>Today there is an exercise activity.</a:t>
             </a:r>
           </a:p>
           <a:p>
@@ -14138,7 +13841,16 @@
                 <a:latin typeface="Arial" panose="020B0604020202020204" pitchFamily="34" charset="0"/>
                 <a:cs typeface="Arial" panose="020B0604020202020204" pitchFamily="34" charset="0"/>
               </a:rPr>
-              <a:t>algorithms</a:t>
+              <a:t>algorithms!</a:t>
+            </a:r>
+          </a:p>
+          <a:p>
+            <a:r>
+              <a:rPr lang="en-US" altLang="zh-TW" sz="3600" dirty="0" smtClean="0">
+                <a:latin typeface="Arial" panose="020B0604020202020204" pitchFamily="34" charset="0"/>
+                <a:cs typeface="Arial" panose="020B0604020202020204" pitchFamily="34" charset="0"/>
+              </a:rPr>
+              <a:t>data model: inputs come </a:t>
             </a:r>
             <a:r>
               <a:rPr lang="en-US" altLang="zh-TW" sz="3600" dirty="0" smtClean="0">
@@ -14148,34 +13860,8 @@
                 <a:latin typeface="Arial" panose="020B0604020202020204" pitchFamily="34" charset="0"/>
                 <a:cs typeface="Arial" panose="020B0604020202020204" pitchFamily="34" charset="0"/>
               </a:rPr>
-              <a:t>!</a:t>
-            </a:r>
-          </a:p>
-          <a:p>
-            <a:r>
-              <a:rPr lang="en-US" altLang="zh-TW" sz="3600" dirty="0" smtClean="0">
-                <a:latin typeface="Arial" panose="020B0604020202020204" pitchFamily="34" charset="0"/>
-                <a:cs typeface="Arial" panose="020B0604020202020204" pitchFamily="34" charset="0"/>
-              </a:rPr>
-              <a:t>data model: inputs come </a:t>
-            </a:r>
-            <a:r>
-              <a:rPr lang="en-US" altLang="zh-TW" sz="3600" dirty="0" smtClean="0">
-                <a:solidFill>
-                  <a:srgbClr val="FF0000"/>
-                </a:solidFill>
-                <a:latin typeface="Arial" panose="020B0604020202020204" pitchFamily="34" charset="0"/>
-                <a:cs typeface="Arial" panose="020B0604020202020204" pitchFamily="34" charset="0"/>
-              </a:rPr>
               <a:t>sequentially without random access</a:t>
             </a:r>
-            <a:endParaRPr lang="en-US" altLang="zh-TW" sz="3600" dirty="0" smtClean="0">
-              <a:solidFill>
-                <a:srgbClr val="FF0000"/>
-              </a:solidFill>
-              <a:latin typeface="Arial" panose="020B0604020202020204" pitchFamily="34" charset="0"/>
-              <a:cs typeface="Arial" panose="020B0604020202020204" pitchFamily="34" charset="0"/>
-            </a:endParaRPr>
           </a:p>
           <a:p>
             <a:pPr marL="0" indent="0">
